--- a/Wasserwaage/Wasserwaage.pptx
+++ b/Wasserwaage/Wasserwaage.pptx
@@ -201,7 +201,7 @@
           <a:p>
             <a:fld id="{DD7A25D8-F173-4133-85F8-CB962D678EB5}" type="datetimeFigureOut">
               <a:rPr lang="de-DE" smtClean="0"/>
-              <a:t>11.12.2019</a:t>
+              <a:t>16.03.2020</a:t>
             </a:fld>
             <a:endParaRPr lang="de-DE"/>
           </a:p>
@@ -599,7 +599,7 @@
           <a:p>
             <a:fld id="{FC9269F9-6F79-4414-A84E-D81C6C443C37}" type="datetimeFigureOut">
               <a:rPr lang="de-DE" smtClean="0"/>
-              <a:t>11.12.2019</a:t>
+              <a:t>16.03.2020</a:t>
             </a:fld>
             <a:endParaRPr lang="de-DE"/>
           </a:p>
@@ -1677,7 +1677,7 @@
           <a:p>
             <a:fld id="{FC9269F9-6F79-4414-A84E-D81C6C443C37}" type="datetimeFigureOut">
               <a:rPr lang="de-DE" smtClean="0"/>
-              <a:t>11.12.2019</a:t>
+              <a:t>16.03.2020</a:t>
             </a:fld>
             <a:endParaRPr lang="de-DE"/>
           </a:p>
@@ -2118,7 +2118,7 @@
           <a:p>
             <a:fld id="{FC9269F9-6F79-4414-A84E-D81C6C443C37}" type="datetimeFigureOut">
               <a:rPr lang="de-DE" smtClean="0"/>
-              <a:t>11.12.2019</a:t>
+              <a:t>16.03.2020</a:t>
             </a:fld>
             <a:endParaRPr lang="de-DE"/>
           </a:p>
@@ -2900,7 +2900,7 @@
           <a:p>
             <a:fld id="{FC9269F9-6F79-4414-A84E-D81C6C443C37}" type="datetimeFigureOut">
               <a:rPr lang="de-DE" smtClean="0"/>
-              <a:t>11.12.2019</a:t>
+              <a:t>16.03.2020</a:t>
             </a:fld>
             <a:endParaRPr lang="de-DE"/>
           </a:p>
@@ -3123,7 +3123,7 @@
           <a:p>
             <a:fld id="{FC9269F9-6F79-4414-A84E-D81C6C443C37}" type="datetimeFigureOut">
               <a:rPr lang="de-DE" smtClean="0"/>
-              <a:t>11.12.2019</a:t>
+              <a:t>16.03.2020</a:t>
             </a:fld>
             <a:endParaRPr lang="de-DE"/>
           </a:p>
@@ -3336,7 +3336,7 @@
           <a:p>
             <a:fld id="{FC9269F9-6F79-4414-A84E-D81C6C443C37}" type="datetimeFigureOut">
               <a:rPr lang="de-DE" smtClean="0"/>
-              <a:t>11.12.2019</a:t>
+              <a:t>16.03.2020</a:t>
             </a:fld>
             <a:endParaRPr lang="de-DE"/>
           </a:p>
@@ -3785,7 +3785,15 @@
           <a:p>
             <a:r>
               <a:rPr lang="de-DE" dirty="0"/>
-              <a:t>Erstelle ein Programm die Funktionalität einer Wasserwage nachbildet.</a:t>
+              <a:t>Erstelle ein Programm</a:t>
+            </a:r>
+            <a:r>
+              <a:rPr lang="de-DE"/>
+              <a:t>, welches </a:t>
+            </a:r>
+            <a:r>
+              <a:rPr lang="de-DE" dirty="0"/>
+              <a:t>die Funktionalität einer Wasserwage nachbildet.</a:t>
             </a:r>
           </a:p>
         </p:txBody>
